--- a/Daily Agendas/Day4.2_MixedCircuitPractice.pptx
+++ b/Daily Agendas/Day4.2_MixedCircuitPractice.pptx
@@ -107,7 +107,7 @@
   </p:defaultTextStyle>
   <p:extLst>
     <p:ext uri="{EFAFB233-063F-42B5-8137-9DF3F51BA10A}">
-      <p15:sldGuideLst xmlns:p15="http://schemas.microsoft.com/office/powerpoint/2012/main" xmlns="">
+      <p15:sldGuideLst xmlns:p15="http://schemas.microsoft.com/office/powerpoint/2012/main">
         <p15:guide id="1" orient="horz" pos="2160">
           <p15:clr>
             <a:srgbClr val="A4A3A4"/>
@@ -304,7 +304,7 @@
             <a:fld id="{1D8BD707-D9CF-40AE-B4C6-C98DA3205C09}" type="datetimeFigureOut">
               <a:rPr lang="en-US" smtClean="0"/>
               <a:pPr/>
-              <a:t>9/21/2019</a:t>
+              <a:t>9/24/2019</a:t>
             </a:fld>
             <a:endParaRPr lang="en-US"/>
           </a:p>
@@ -469,7 +469,7 @@
             <a:fld id="{1D8BD707-D9CF-40AE-B4C6-C98DA3205C09}" type="datetimeFigureOut">
               <a:rPr lang="en-US" smtClean="0"/>
               <a:pPr/>
-              <a:t>9/21/2019</a:t>
+              <a:t>9/24/2019</a:t>
             </a:fld>
             <a:endParaRPr lang="en-US"/>
           </a:p>
@@ -644,7 +644,7 @@
             <a:fld id="{1D8BD707-D9CF-40AE-B4C6-C98DA3205C09}" type="datetimeFigureOut">
               <a:rPr lang="en-US" smtClean="0"/>
               <a:pPr/>
-              <a:t>9/21/2019</a:t>
+              <a:t>9/24/2019</a:t>
             </a:fld>
             <a:endParaRPr lang="en-US"/>
           </a:p>
@@ -809,7 +809,7 @@
             <a:fld id="{1D8BD707-D9CF-40AE-B4C6-C98DA3205C09}" type="datetimeFigureOut">
               <a:rPr lang="en-US" smtClean="0"/>
               <a:pPr/>
-              <a:t>9/21/2019</a:t>
+              <a:t>9/24/2019</a:t>
             </a:fld>
             <a:endParaRPr lang="en-US"/>
           </a:p>
@@ -1051,7 +1051,7 @@
             <a:fld id="{1D8BD707-D9CF-40AE-B4C6-C98DA3205C09}" type="datetimeFigureOut">
               <a:rPr lang="en-US" smtClean="0"/>
               <a:pPr/>
-              <a:t>9/21/2019</a:t>
+              <a:t>9/24/2019</a:t>
             </a:fld>
             <a:endParaRPr lang="en-US"/>
           </a:p>
@@ -1333,7 +1333,7 @@
             <a:fld id="{1D8BD707-D9CF-40AE-B4C6-C98DA3205C09}" type="datetimeFigureOut">
               <a:rPr lang="en-US" smtClean="0"/>
               <a:pPr/>
-              <a:t>9/21/2019</a:t>
+              <a:t>9/24/2019</a:t>
             </a:fld>
             <a:endParaRPr lang="en-US"/>
           </a:p>
@@ -1749,7 +1749,7 @@
             <a:fld id="{1D8BD707-D9CF-40AE-B4C6-C98DA3205C09}" type="datetimeFigureOut">
               <a:rPr lang="en-US" smtClean="0"/>
               <a:pPr/>
-              <a:t>9/21/2019</a:t>
+              <a:t>9/24/2019</a:t>
             </a:fld>
             <a:endParaRPr lang="en-US"/>
           </a:p>
@@ -1863,7 +1863,7 @@
             <a:fld id="{1D8BD707-D9CF-40AE-B4C6-C98DA3205C09}" type="datetimeFigureOut">
               <a:rPr lang="en-US" smtClean="0"/>
               <a:pPr/>
-              <a:t>9/21/2019</a:t>
+              <a:t>9/24/2019</a:t>
             </a:fld>
             <a:endParaRPr lang="en-US"/>
           </a:p>
@@ -1955,7 +1955,7 @@
             <a:fld id="{1D8BD707-D9CF-40AE-B4C6-C98DA3205C09}" type="datetimeFigureOut">
               <a:rPr lang="en-US" smtClean="0"/>
               <a:pPr/>
-              <a:t>9/21/2019</a:t>
+              <a:t>9/24/2019</a:t>
             </a:fld>
             <a:endParaRPr lang="en-US"/>
           </a:p>
@@ -2227,7 +2227,7 @@
             <a:fld id="{1D8BD707-D9CF-40AE-B4C6-C98DA3205C09}" type="datetimeFigureOut">
               <a:rPr lang="en-US" smtClean="0"/>
               <a:pPr/>
-              <a:t>9/21/2019</a:t>
+              <a:t>9/24/2019</a:t>
             </a:fld>
             <a:endParaRPr lang="en-US"/>
           </a:p>
@@ -2476,7 +2476,7 @@
             <a:fld id="{1D8BD707-D9CF-40AE-B4C6-C98DA3205C09}" type="datetimeFigureOut">
               <a:rPr lang="en-US" smtClean="0"/>
               <a:pPr/>
-              <a:t>9/21/2019</a:t>
+              <a:t>9/24/2019</a:t>
             </a:fld>
             <a:endParaRPr lang="en-US"/>
           </a:p>
@@ -2684,7 +2684,7 @@
             <a:fld id="{1D8BD707-D9CF-40AE-B4C6-C98DA3205C09}" type="datetimeFigureOut">
               <a:rPr lang="en-US" smtClean="0"/>
               <a:pPr/>
-              <a:t>9/21/2019</a:t>
+              <a:t>9/24/2019</a:t>
             </a:fld>
             <a:endParaRPr lang="en-US"/>
           </a:p>
@@ -3116,7 +3116,7 @@
         <p:spPr/>
         <p:txBody>
           <a:bodyPr>
-            <a:normAutofit/>
+            <a:normAutofit lnSpcReduction="10000"/>
           </a:bodyPr>
           <a:lstStyle/>
           <a:p>
@@ -3129,29 +3129,41 @@
             <a:pPr lvl="1"/>
             <a:r>
               <a:rPr lang="en-CA" sz="2400" dirty="0" smtClean="0"/>
-              <a:t>Discussion</a:t>
-            </a:r>
+              <a:t>Discussion:</a:t>
+            </a:r>
+          </a:p>
+          <a:p>
+            <a:pPr lvl="2"/>
+            <a:r>
+              <a:rPr lang="en-CA" sz="2000" dirty="0" smtClean="0"/>
+              <a:t>Mixed Circuits Practice – Answer Questions</a:t>
+            </a:r>
+          </a:p>
+          <a:p>
+            <a:pPr lvl="2"/>
+            <a:r>
+              <a:rPr lang="en-CA" sz="2000" dirty="0" smtClean="0"/>
+              <a:t>Complex </a:t>
+            </a:r>
+            <a:r>
+              <a:rPr lang="en-CA" sz="2000" dirty="0" smtClean="0"/>
+              <a:t>Circuit </a:t>
+            </a:r>
+            <a:r>
+              <a:rPr lang="en-CA" sz="2000" dirty="0" smtClean="0"/>
+              <a:t>Analysis – Solving </a:t>
+            </a:r>
+            <a:r>
+              <a:rPr lang="en-CA" sz="2000" smtClean="0"/>
+              <a:t>Missing Values</a:t>
+            </a:r>
+            <a:endParaRPr lang="en-CA" sz="2000" dirty="0" smtClean="0"/>
+          </a:p>
+          <a:p>
+            <a:pPr lvl="1"/>
             <a:r>
               <a:rPr lang="en-CA" sz="2400" dirty="0" smtClean="0"/>
-              <a:t>:</a:t>
-            </a:r>
-          </a:p>
-          <a:p>
-            <a:pPr lvl="2"/>
-            <a:r>
-              <a:rPr lang="en-CA" sz="2000" dirty="0" smtClean="0"/>
-              <a:t>Complex Circuit Analysis</a:t>
-            </a:r>
-          </a:p>
-          <a:p>
-            <a:pPr lvl="1"/>
-            <a:r>
-              <a:rPr lang="en-CA" sz="2400" dirty="0" smtClean="0"/>
-              <a:t>Handouts</a:t>
-            </a:r>
-            <a:r>
-              <a:rPr lang="en-CA" sz="2400" dirty="0" smtClean="0"/>
-              <a:t>:</a:t>
+              <a:t>Handouts:</a:t>
             </a:r>
           </a:p>
           <a:p>
@@ -3181,11 +3193,7 @@
             </a:r>
             <a:r>
               <a:rPr lang="en-CA" sz="2400" dirty="0" smtClean="0"/>
-              <a:t>Ohm's Law Lab - REPORT </a:t>
-            </a:r>
-            <a:r>
-              <a:rPr lang="en-CA" sz="2400" dirty="0" smtClean="0"/>
-              <a:t>DUE</a:t>
+              <a:t>Ohm's Law Lab - REPORT DUE</a:t>
             </a:r>
           </a:p>
           <a:p>
@@ -3283,7 +3291,7 @@
     </p:spTree>
     <p:extLst>
       <p:ext uri="{BB962C8B-B14F-4D97-AF65-F5344CB8AC3E}">
-        <p14:creationId xmlns:p14="http://schemas.microsoft.com/office/powerpoint/2010/main" xmlns="" val="2688164813"/>
+        <p14:creationId xmlns:p14="http://schemas.microsoft.com/office/powerpoint/2010/main" val="2688164813"/>
       </p:ext>
     </p:extLst>
   </p:cSld>
